--- a/无处不在的数学——随机杂谈.pptx
+++ b/无处不在的数学——随机杂谈.pptx
@@ -5,25 +5,26 @@
     <p:sldMasterId id="2147483695" r:id="rId1"/>
   </p:sldMasterIdLst>
   <p:notesMasterIdLst>
-    <p:notesMasterId r:id="rId18"/>
+    <p:notesMasterId r:id="rId19"/>
   </p:notesMasterIdLst>
   <p:sldIdLst>
     <p:sldId id="256" r:id="rId2"/>
-    <p:sldId id="257" r:id="rId3"/>
-    <p:sldId id="258" r:id="rId4"/>
-    <p:sldId id="260" r:id="rId5"/>
-    <p:sldId id="261" r:id="rId6"/>
-    <p:sldId id="263" r:id="rId7"/>
-    <p:sldId id="262" r:id="rId8"/>
-    <p:sldId id="264" r:id="rId9"/>
-    <p:sldId id="266" r:id="rId10"/>
-    <p:sldId id="267" r:id="rId11"/>
-    <p:sldId id="268" r:id="rId12"/>
-    <p:sldId id="265" r:id="rId13"/>
-    <p:sldId id="271" r:id="rId14"/>
-    <p:sldId id="272" r:id="rId15"/>
-    <p:sldId id="273" r:id="rId16"/>
-    <p:sldId id="269" r:id="rId17"/>
+    <p:sldId id="274" r:id="rId3"/>
+    <p:sldId id="257" r:id="rId4"/>
+    <p:sldId id="258" r:id="rId5"/>
+    <p:sldId id="260" r:id="rId6"/>
+    <p:sldId id="261" r:id="rId7"/>
+    <p:sldId id="263" r:id="rId8"/>
+    <p:sldId id="262" r:id="rId9"/>
+    <p:sldId id="264" r:id="rId10"/>
+    <p:sldId id="266" r:id="rId11"/>
+    <p:sldId id="267" r:id="rId12"/>
+    <p:sldId id="268" r:id="rId13"/>
+    <p:sldId id="265" r:id="rId14"/>
+    <p:sldId id="271" r:id="rId15"/>
+    <p:sldId id="272" r:id="rId16"/>
+    <p:sldId id="273" r:id="rId17"/>
+    <p:sldId id="269" r:id="rId18"/>
   </p:sldIdLst>
   <p:sldSz cx="12192000" cy="6858000"/>
   <p:notesSz cx="6858000" cy="9144000"/>
@@ -544,7 +545,7 @@
           <a:p>
             <a:fld id="{2D02B6DD-E237-4A7F-B86A-069232C8B28C}" type="slidenum">
               <a:rPr lang="zh-CN" altLang="en-US" smtClean="0"/>
-              <a:t>3</a:t>
+              <a:t>4</a:t>
             </a:fld>
             <a:endParaRPr lang="zh-CN" altLang="en-US"/>
           </a:p>
@@ -628,7 +629,7 @@
           <a:p>
             <a:fld id="{2D02B6DD-E237-4A7F-B86A-069232C8B28C}" type="slidenum">
               <a:rPr lang="zh-CN" altLang="en-US" smtClean="0"/>
-              <a:t>12</a:t>
+              <a:t>13</a:t>
             </a:fld>
             <a:endParaRPr lang="zh-CN" altLang="en-US"/>
           </a:p>
@@ -712,7 +713,7 @@
           <a:p>
             <a:fld id="{2D02B6DD-E237-4A7F-B86A-069232C8B28C}" type="slidenum">
               <a:rPr lang="zh-CN" altLang="en-US" smtClean="0"/>
-              <a:t>13</a:t>
+              <a:t>14</a:t>
             </a:fld>
             <a:endParaRPr lang="zh-CN" altLang="en-US"/>
           </a:p>
@@ -796,7 +797,7 @@
           <a:p>
             <a:fld id="{2D02B6DD-E237-4A7F-B86A-069232C8B28C}" type="slidenum">
               <a:rPr lang="zh-CN" altLang="en-US" smtClean="0"/>
-              <a:t>14</a:t>
+              <a:t>15</a:t>
             </a:fld>
             <a:endParaRPr lang="zh-CN" altLang="en-US"/>
           </a:p>
@@ -880,7 +881,7 @@
           <a:p>
             <a:fld id="{2D02B6DD-E237-4A7F-B86A-069232C8B28C}" type="slidenum">
               <a:rPr lang="zh-CN" altLang="en-US" smtClean="0"/>
-              <a:t>15</a:t>
+              <a:t>16</a:t>
             </a:fld>
             <a:endParaRPr lang="zh-CN" altLang="en-US"/>
           </a:p>
@@ -964,7 +965,7 @@
           <a:p>
             <a:fld id="{2D02B6DD-E237-4A7F-B86A-069232C8B28C}" type="slidenum">
               <a:rPr lang="zh-CN" altLang="en-US" smtClean="0"/>
-              <a:t>4</a:t>
+              <a:t>5</a:t>
             </a:fld>
             <a:endParaRPr lang="zh-CN" altLang="en-US"/>
           </a:p>
@@ -1048,7 +1049,7 @@
           <a:p>
             <a:fld id="{2D02B6DD-E237-4A7F-B86A-069232C8B28C}" type="slidenum">
               <a:rPr lang="zh-CN" altLang="en-US" smtClean="0"/>
-              <a:t>5</a:t>
+              <a:t>6</a:t>
             </a:fld>
             <a:endParaRPr lang="zh-CN" altLang="en-US"/>
           </a:p>
@@ -1132,7 +1133,7 @@
           <a:p>
             <a:fld id="{2D02B6DD-E237-4A7F-B86A-069232C8B28C}" type="slidenum">
               <a:rPr lang="zh-CN" altLang="en-US" smtClean="0"/>
-              <a:t>6</a:t>
+              <a:t>7</a:t>
             </a:fld>
             <a:endParaRPr lang="zh-CN" altLang="en-US"/>
           </a:p>
@@ -1216,7 +1217,7 @@
           <a:p>
             <a:fld id="{2D02B6DD-E237-4A7F-B86A-069232C8B28C}" type="slidenum">
               <a:rPr lang="zh-CN" altLang="en-US" smtClean="0"/>
-              <a:t>7</a:t>
+              <a:t>8</a:t>
             </a:fld>
             <a:endParaRPr lang="zh-CN" altLang="en-US"/>
           </a:p>
@@ -1300,7 +1301,7 @@
           <a:p>
             <a:fld id="{2D02B6DD-E237-4A7F-B86A-069232C8B28C}" type="slidenum">
               <a:rPr lang="zh-CN" altLang="en-US" smtClean="0"/>
-              <a:t>8</a:t>
+              <a:t>9</a:t>
             </a:fld>
             <a:endParaRPr lang="zh-CN" altLang="en-US"/>
           </a:p>
@@ -1384,7 +1385,7 @@
           <a:p>
             <a:fld id="{2D02B6DD-E237-4A7F-B86A-069232C8B28C}" type="slidenum">
               <a:rPr lang="zh-CN" altLang="en-US" smtClean="0"/>
-              <a:t>9</a:t>
+              <a:t>10</a:t>
             </a:fld>
             <a:endParaRPr lang="zh-CN" altLang="en-US"/>
           </a:p>
@@ -1468,7 +1469,7 @@
           <a:p>
             <a:fld id="{2D02B6DD-E237-4A7F-B86A-069232C8B28C}" type="slidenum">
               <a:rPr lang="zh-CN" altLang="en-US" smtClean="0"/>
-              <a:t>10</a:t>
+              <a:t>11</a:t>
             </a:fld>
             <a:endParaRPr lang="zh-CN" altLang="en-US"/>
           </a:p>
@@ -1552,7 +1553,7 @@
           <a:p>
             <a:fld id="{2D02B6DD-E237-4A7F-B86A-069232C8B28C}" type="slidenum">
               <a:rPr lang="zh-CN" altLang="en-US" smtClean="0"/>
-              <a:t>11</a:t>
+              <a:t>12</a:t>
             </a:fld>
             <a:endParaRPr lang="zh-CN" altLang="en-US"/>
           </a:p>
@@ -7462,6 +7463,143 @@
       </p:sp>
       <p:pic>
         <p:nvPicPr>
+          <p:cNvPr id="3" name="图片 2">
+            <a:extLst>
+              <a:ext uri="{FF2B5EF4-FFF2-40B4-BE49-F238E27FC236}">
+                <a16:creationId xmlns:a16="http://schemas.microsoft.com/office/drawing/2014/main" id="{2E3C1294-E936-41F4-82CC-0F6BAA87DBD9}"/>
+              </a:ext>
+            </a:extLst>
+          </p:cNvPr>
+          <p:cNvPicPr>
+            <a:picLocks noChangeAspect="1"/>
+          </p:cNvPicPr>
+          <p:nvPr/>
+        </p:nvPicPr>
+        <p:blipFill>
+          <a:blip r:embed="rId3">
+            <a:extLst>
+              <a:ext uri="{28A0092B-C50C-407E-A947-70E740481C1C}">
+                <a14:useLocalDpi xmlns:a14="http://schemas.microsoft.com/office/drawing/2010/main" val="0"/>
+              </a:ext>
+            </a:extLst>
+          </a:blip>
+          <a:stretch>
+            <a:fillRect/>
+          </a:stretch>
+        </p:blipFill>
+        <p:spPr>
+          <a:xfrm>
+            <a:off x="3441382" y="3248109"/>
+            <a:ext cx="4029075" cy="1381125"/>
+          </a:xfrm>
+          <a:prstGeom prst="rect">
+            <a:avLst/>
+          </a:prstGeom>
+        </p:spPr>
+      </p:pic>
+    </p:spTree>
+    <p:extLst>
+      <p:ext uri="{BB962C8B-B14F-4D97-AF65-F5344CB8AC3E}">
+        <p14:creationId xmlns:p14="http://schemas.microsoft.com/office/powerpoint/2010/main" val="3157040008"/>
+      </p:ext>
+    </p:extLst>
+  </p:cSld>
+  <p:clrMapOvr>
+    <a:masterClrMapping/>
+  </p:clrMapOvr>
+</p:sld>
+</file>
+
+<file path=ppt/slides/slide11.xml><?xml version="1.0" encoding="utf-8"?>
+<p:sld xmlns:a="http://schemas.openxmlformats.org/drawingml/2006/main" xmlns:r="http://schemas.openxmlformats.org/officeDocument/2006/relationships" xmlns:p="http://schemas.openxmlformats.org/presentationml/2006/main">
+  <p:cSld>
+    <p:spTree>
+      <p:nvGrpSpPr>
+        <p:cNvPr id="1" name=""/>
+        <p:cNvGrpSpPr/>
+        <p:nvPr/>
+      </p:nvGrpSpPr>
+      <p:grpSpPr>
+        <a:xfrm>
+          <a:off x="0" y="0"/>
+          <a:ext cx="0" cy="0"/>
+          <a:chOff x="0" y="0"/>
+          <a:chExt cx="0" cy="0"/>
+        </a:xfrm>
+      </p:grpSpPr>
+      <p:sp>
+        <p:nvSpPr>
+          <p:cNvPr id="5" name="文本框 4">
+            <a:extLst>
+              <a:ext uri="{FF2B5EF4-FFF2-40B4-BE49-F238E27FC236}">
+                <a16:creationId xmlns:a16="http://schemas.microsoft.com/office/drawing/2014/main" id="{815900AA-B640-4608-897A-D1E1B5439925}"/>
+              </a:ext>
+            </a:extLst>
+          </p:cNvPr>
+          <p:cNvSpPr txBox="1"/>
+          <p:nvPr/>
+        </p:nvSpPr>
+        <p:spPr>
+          <a:xfrm>
+            <a:off x="2390276" y="1885743"/>
+            <a:ext cx="6376037" cy="707886"/>
+          </a:xfrm>
+          <a:prstGeom prst="rect">
+            <a:avLst/>
+          </a:prstGeom>
+          <a:noFill/>
+        </p:spPr>
+        <p:txBody>
+          <a:bodyPr wrap="square" rtlCol="0">
+            <a:spAutoFit/>
+          </a:bodyPr>
+          <a:lstStyle/>
+          <a:p>
+            <a:r>
+              <a:rPr lang="zh-CN" altLang="en-US" sz="4000" dirty="0"/>
+              <a:t>蒙特卡洛算法求数值积分</a:t>
+            </a:r>
+            <a:endParaRPr lang="en-US" altLang="zh-CN" sz="4000" dirty="0"/>
+          </a:p>
+        </p:txBody>
+      </p:sp>
+      <p:sp>
+        <p:nvSpPr>
+          <p:cNvPr id="6" name="文本框 5">
+            <a:extLst>
+              <a:ext uri="{FF2B5EF4-FFF2-40B4-BE49-F238E27FC236}">
+                <a16:creationId xmlns:a16="http://schemas.microsoft.com/office/drawing/2014/main" id="{C559BF3D-DEEC-4126-8C1E-814BBDF90685}"/>
+              </a:ext>
+            </a:extLst>
+          </p:cNvPr>
+          <p:cNvSpPr txBox="1"/>
+          <p:nvPr/>
+        </p:nvSpPr>
+        <p:spPr>
+          <a:xfrm>
+            <a:off x="3704735" y="307933"/>
+            <a:ext cx="4449452" cy="923330"/>
+          </a:xfrm>
+          <a:prstGeom prst="rect">
+            <a:avLst/>
+          </a:prstGeom>
+          <a:noFill/>
+        </p:spPr>
+        <p:txBody>
+          <a:bodyPr wrap="square" rtlCol="0">
+            <a:spAutoFit/>
+          </a:bodyPr>
+          <a:lstStyle/>
+          <a:p>
+            <a:r>
+              <a:rPr lang="zh-CN" altLang="en-US" sz="5400" dirty="0"/>
+              <a:t>随机算法</a:t>
+            </a:r>
+          </a:p>
+        </p:txBody>
+      </p:sp>
+      <p:pic>
+        <p:nvPicPr>
           <p:cNvPr id="4" name="图片 3">
             <a:extLst>
               <a:ext uri="{FF2B5EF4-FFF2-40B4-BE49-F238E27FC236}">
@@ -7508,7 +7646,7 @@
 </p:sld>
 </file>
 
-<file path=ppt/slides/slide11.xml><?xml version="1.0" encoding="utf-8"?>
+<file path=ppt/slides/slide12.xml><?xml version="1.0" encoding="utf-8"?>
 <p:sld xmlns:a="http://schemas.openxmlformats.org/drawingml/2006/main" xmlns:r="http://schemas.openxmlformats.org/officeDocument/2006/relationships" xmlns:p="http://schemas.openxmlformats.org/presentationml/2006/main">
   <p:cSld>
     <p:spTree>
@@ -7657,7 +7795,7 @@
 </p:sld>
 </file>
 
-<file path=ppt/slides/slide12.xml><?xml version="1.0" encoding="utf-8"?>
+<file path=ppt/slides/slide13.xml><?xml version="1.0" encoding="utf-8"?>
 <p:sld xmlns:a="http://schemas.openxmlformats.org/drawingml/2006/main" xmlns:r="http://schemas.openxmlformats.org/officeDocument/2006/relationships" xmlns:p="http://schemas.openxmlformats.org/presentationml/2006/main">
   <p:cSld>
     <p:spTree>
@@ -7882,7 +8020,7 @@
 </p:sld>
 </file>
 
-<file path=ppt/slides/slide13.xml><?xml version="1.0" encoding="utf-8"?>
+<file path=ppt/slides/slide14.xml><?xml version="1.0" encoding="utf-8"?>
 <p:sld xmlns:a="http://schemas.openxmlformats.org/drawingml/2006/main" xmlns:r="http://schemas.openxmlformats.org/officeDocument/2006/relationships" xmlns:p="http://schemas.openxmlformats.org/presentationml/2006/main">
   <p:cSld>
     <p:spTree>
@@ -8039,7 +8177,7 @@
 </p:sld>
 </file>
 
-<file path=ppt/slides/slide14.xml><?xml version="1.0" encoding="utf-8"?>
+<file path=ppt/slides/slide15.xml><?xml version="1.0" encoding="utf-8"?>
 <p:sld xmlns:a="http://schemas.openxmlformats.org/drawingml/2006/main" xmlns:r="http://schemas.openxmlformats.org/officeDocument/2006/relationships" xmlns:p="http://schemas.openxmlformats.org/presentationml/2006/main">
   <p:cSld>
     <p:spTree>
@@ -8185,7 +8323,7 @@
 </p:sld>
 </file>
 
-<file path=ppt/slides/slide15.xml><?xml version="1.0" encoding="utf-8"?>
+<file path=ppt/slides/slide16.xml><?xml version="1.0" encoding="utf-8"?>
 <p:sld xmlns:a="http://schemas.openxmlformats.org/drawingml/2006/main" xmlns:r="http://schemas.openxmlformats.org/officeDocument/2006/relationships" xmlns:p="http://schemas.openxmlformats.org/presentationml/2006/main">
   <p:cSld>
     <p:spTree>
@@ -8204,6 +8342,52 @@
       </p:grpSpPr>
       <p:sp>
         <p:nvSpPr>
+          <p:cNvPr id="4" name="矩形 3">
+            <a:extLst>
+              <a:ext uri="{FF2B5EF4-FFF2-40B4-BE49-F238E27FC236}">
+                <a16:creationId xmlns:a16="http://schemas.microsoft.com/office/drawing/2014/main" id="{5D355E11-A4AB-4334-A52D-999F79C184A2}"/>
+              </a:ext>
+            </a:extLst>
+          </p:cNvPr>
+          <p:cNvSpPr/>
+          <p:nvPr/>
+        </p:nvSpPr>
+        <p:spPr>
+          <a:xfrm>
+            <a:off x="2842591" y="1691542"/>
+            <a:ext cx="4899992" cy="4977615"/>
+          </a:xfrm>
+          <a:prstGeom prst="rect">
+            <a:avLst/>
+          </a:prstGeom>
+        </p:spPr>
+        <p:style>
+          <a:lnRef idx="2">
+            <a:schemeClr val="accent1">
+              <a:shade val="50000"/>
+            </a:schemeClr>
+          </a:lnRef>
+          <a:fillRef idx="1">
+            <a:schemeClr val="accent1"/>
+          </a:fillRef>
+          <a:effectRef idx="0">
+            <a:schemeClr val="accent1"/>
+          </a:effectRef>
+          <a:fontRef idx="minor">
+            <a:schemeClr val="lt1"/>
+          </a:fontRef>
+        </p:style>
+        <p:txBody>
+          <a:bodyPr rtlCol="0" anchor="ctr"/>
+          <a:lstStyle/>
+          <a:p>
+            <a:pPr algn="ctr"/>
+            <a:endParaRPr lang="zh-CN" altLang="en-US"/>
+          </a:p>
+        </p:txBody>
+      </p:sp>
+      <p:sp>
+        <p:nvSpPr>
           <p:cNvPr id="9" name="文本框 8">
             <a:extLst>
               <a:ext uri="{FF2B5EF4-FFF2-40B4-BE49-F238E27FC236}">
@@ -8216,8 +8400,8 @@
         </p:nvSpPr>
         <p:spPr>
           <a:xfrm>
-            <a:off x="3202038" y="2576395"/>
-            <a:ext cx="4449452" cy="1938992"/>
+            <a:off x="1094942" y="675880"/>
+            <a:ext cx="8347231" cy="1015663"/>
           </a:xfrm>
           <a:prstGeom prst="rect">
             <a:avLst/>
@@ -8233,14 +8417,7 @@
             <a:pPr algn="ctr"/>
             <a:r>
               <a:rPr lang="en-US" altLang="zh-CN" sz="6000" b="1" dirty="0"/>
-              <a:t>python</a:t>
-            </a:r>
-          </a:p>
-          <a:p>
-            <a:pPr algn="ctr"/>
-            <a:r>
-              <a:rPr lang="en-US" altLang="zh-CN" sz="6000" b="1" dirty="0"/>
-              <a:t>matplotlib</a:t>
+              <a:t>Python matplotlib</a:t>
             </a:r>
           </a:p>
         </p:txBody>
@@ -8290,6 +8467,53 @@
           </a:p>
         </p:txBody>
       </p:sp>
+      <p:pic>
+        <p:nvPicPr>
+          <p:cNvPr id="1026" name="Picture 2">
+            <a:extLst>
+              <a:ext uri="{FF2B5EF4-FFF2-40B4-BE49-F238E27FC236}">
+                <a16:creationId xmlns:a16="http://schemas.microsoft.com/office/drawing/2014/main" id="{E3BFD3F5-17DC-499F-9B83-49E31504AA6F}"/>
+              </a:ext>
+            </a:extLst>
+          </p:cNvPr>
+          <p:cNvPicPr>
+            <a:picLocks noChangeAspect="1" noChangeArrowheads="1"/>
+          </p:cNvPicPr>
+          <p:nvPr/>
+        </p:nvPicPr>
+        <p:blipFill>
+          <a:blip r:embed="rId3">
+            <a:extLst>
+              <a:ext uri="{28A0092B-C50C-407E-A947-70E740481C1C}">
+                <a14:useLocalDpi xmlns:a14="http://schemas.microsoft.com/office/drawing/2010/main" val="0"/>
+              </a:ext>
+            </a:extLst>
+          </a:blip>
+          <a:srcRect/>
+          <a:stretch>
+            <a:fillRect/>
+          </a:stretch>
+        </p:blipFill>
+        <p:spPr bwMode="auto">
+          <a:xfrm>
+            <a:off x="2962016" y="1864698"/>
+            <a:ext cx="4631480" cy="4631480"/>
+          </a:xfrm>
+          <a:prstGeom prst="rect">
+            <a:avLst/>
+          </a:prstGeom>
+          <a:noFill/>
+          <a:extLst>
+            <a:ext uri="{909E8E84-426E-40DD-AFC4-6F175D3DCCD1}">
+              <a14:hiddenFill xmlns:a14="http://schemas.microsoft.com/office/drawing/2010/main">
+                <a:solidFill>
+                  <a:srgbClr val="FFFFFF"/>
+                </a:solidFill>
+              </a14:hiddenFill>
+            </a:ext>
+          </a:extLst>
+        </p:spPr>
+      </p:pic>
     </p:spTree>
     <p:extLst>
       <p:ext uri="{BB962C8B-B14F-4D97-AF65-F5344CB8AC3E}">
@@ -8303,7 +8527,7 @@
 </p:sld>
 </file>
 
-<file path=ppt/slides/slide16.xml><?xml version="1.0" encoding="utf-8"?>
+<file path=ppt/slides/slide17.xml><?xml version="1.0" encoding="utf-8"?>
 <p:sld xmlns:a="http://schemas.openxmlformats.org/drawingml/2006/main" xmlns:r="http://schemas.openxmlformats.org/officeDocument/2006/relationships" xmlns:p="http://schemas.openxmlformats.org/presentationml/2006/main">
   <p:cSld>
     <p:spTree>
@@ -8388,161 +8612,101 @@
       </p:grpSpPr>
       <p:sp>
         <p:nvSpPr>
-          <p:cNvPr id="4" name="文本框 3">
+          <p:cNvPr id="4" name="矩形 3">
             <a:extLst>
               <a:ext uri="{FF2B5EF4-FFF2-40B4-BE49-F238E27FC236}">
-                <a16:creationId xmlns:a16="http://schemas.microsoft.com/office/drawing/2014/main" id="{9F92805E-F0E1-4F4A-8D7C-7769AE65D44B}"/>
+                <a16:creationId xmlns:a16="http://schemas.microsoft.com/office/drawing/2014/main" id="{DF45C8BC-95AD-475D-9C9B-8DBD9A0AB2C3}"/>
               </a:ext>
             </a:extLst>
           </p:cNvPr>
-          <p:cNvSpPr txBox="1"/>
+          <p:cNvSpPr/>
           <p:nvPr/>
         </p:nvSpPr>
         <p:spPr>
           <a:xfrm>
-            <a:off x="3704735" y="307933"/>
-            <a:ext cx="4449452" cy="923330"/>
+            <a:off x="2842591" y="1065377"/>
+            <a:ext cx="4899992" cy="4977615"/>
+          </a:xfrm>
+          <a:prstGeom prst="rect">
+            <a:avLst/>
+          </a:prstGeom>
+        </p:spPr>
+        <p:style>
+          <a:lnRef idx="2">
+            <a:schemeClr val="accent1">
+              <a:shade val="50000"/>
+            </a:schemeClr>
+          </a:lnRef>
+          <a:fillRef idx="1">
+            <a:schemeClr val="accent1"/>
+          </a:fillRef>
+          <a:effectRef idx="0">
+            <a:schemeClr val="accent1"/>
+          </a:effectRef>
+          <a:fontRef idx="minor">
+            <a:schemeClr val="lt1"/>
+          </a:fontRef>
+        </p:style>
+        <p:txBody>
+          <a:bodyPr rtlCol="0" anchor="ctr"/>
+          <a:lstStyle/>
+          <a:p>
+            <a:pPr algn="ctr"/>
+            <a:endParaRPr lang="zh-CN" altLang="en-US"/>
+          </a:p>
+        </p:txBody>
+      </p:sp>
+      <p:pic>
+        <p:nvPicPr>
+          <p:cNvPr id="5" name="Picture 2">
+            <a:extLst>
+              <a:ext uri="{FF2B5EF4-FFF2-40B4-BE49-F238E27FC236}">
+                <a16:creationId xmlns:a16="http://schemas.microsoft.com/office/drawing/2014/main" id="{0A8D3927-AA63-4E15-A401-AB9E096D39B1}"/>
+              </a:ext>
+            </a:extLst>
+          </p:cNvPr>
+          <p:cNvPicPr>
+            <a:picLocks noChangeAspect="1" noChangeArrowheads="1"/>
+          </p:cNvPicPr>
+          <p:nvPr/>
+        </p:nvPicPr>
+        <p:blipFill>
+          <a:blip r:embed="rId2">
+            <a:extLst>
+              <a:ext uri="{28A0092B-C50C-407E-A947-70E740481C1C}">
+                <a14:useLocalDpi xmlns:a14="http://schemas.microsoft.com/office/drawing/2010/main" val="0"/>
+              </a:ext>
+            </a:extLst>
+          </a:blip>
+          <a:srcRect/>
+          <a:stretch>
+            <a:fillRect/>
+          </a:stretch>
+        </p:blipFill>
+        <p:spPr bwMode="auto">
+          <a:xfrm>
+            <a:off x="2962016" y="1238533"/>
+            <a:ext cx="4631480" cy="4631480"/>
           </a:xfrm>
           <a:prstGeom prst="rect">
             <a:avLst/>
           </a:prstGeom>
           <a:noFill/>
+          <a:extLst>
+            <a:ext uri="{909E8E84-426E-40DD-AFC4-6F175D3DCCD1}">
+              <a14:hiddenFill xmlns:a14="http://schemas.microsoft.com/office/drawing/2010/main">
+                <a:solidFill>
+                  <a:srgbClr val="FFFFFF"/>
+                </a:solidFill>
+              </a14:hiddenFill>
+            </a:ext>
+          </a:extLst>
         </p:spPr>
-        <p:txBody>
-          <a:bodyPr wrap="square" rtlCol="0">
-            <a:spAutoFit/>
-          </a:bodyPr>
-          <a:lstStyle/>
-          <a:p>
-            <a:r>
-              <a:rPr lang="zh-CN" altLang="en-US" sz="5400" dirty="0"/>
-              <a:t>随机杂谈</a:t>
-            </a:r>
-          </a:p>
-        </p:txBody>
-      </p:sp>
-      <p:sp>
-        <p:nvSpPr>
-          <p:cNvPr id="5" name="文本框 4">
-            <a:extLst>
-              <a:ext uri="{FF2B5EF4-FFF2-40B4-BE49-F238E27FC236}">
-                <a16:creationId xmlns:a16="http://schemas.microsoft.com/office/drawing/2014/main" id="{1198D5B3-4C49-4A2F-8D4D-1C88DC3FB7E6}"/>
-              </a:ext>
-            </a:extLst>
-          </p:cNvPr>
-          <p:cNvSpPr txBox="1"/>
-          <p:nvPr/>
-        </p:nvSpPr>
-        <p:spPr>
-          <a:xfrm>
-            <a:off x="1311898" y="1808366"/>
-            <a:ext cx="4449452" cy="923330"/>
-          </a:xfrm>
-          <a:prstGeom prst="rect">
-            <a:avLst/>
-          </a:prstGeom>
-          <a:noFill/>
-        </p:spPr>
-        <p:txBody>
-          <a:bodyPr wrap="square" rtlCol="0">
-            <a:spAutoFit/>
-          </a:bodyPr>
-          <a:lstStyle/>
-          <a:p>
-            <a:r>
-              <a:rPr lang="en-US" altLang="zh-CN" sz="5400" dirty="0"/>
-              <a:t>1.</a:t>
-            </a:r>
-            <a:r>
-              <a:rPr lang="zh-CN" altLang="en-US" sz="5400" dirty="0"/>
-              <a:t>伪随机数</a:t>
-            </a:r>
-          </a:p>
-        </p:txBody>
-      </p:sp>
-      <p:sp>
-        <p:nvSpPr>
-          <p:cNvPr id="6" name="文本框 5">
-            <a:extLst>
-              <a:ext uri="{FF2B5EF4-FFF2-40B4-BE49-F238E27FC236}">
-                <a16:creationId xmlns:a16="http://schemas.microsoft.com/office/drawing/2014/main" id="{7C6EE147-5CEA-4DD7-B834-326F05FCAB86}"/>
-              </a:ext>
-            </a:extLst>
-          </p:cNvPr>
-          <p:cNvSpPr txBox="1"/>
-          <p:nvPr/>
-        </p:nvSpPr>
-        <p:spPr>
-          <a:xfrm>
-            <a:off x="2397551" y="3207688"/>
-            <a:ext cx="5417269" cy="923330"/>
-          </a:xfrm>
-          <a:prstGeom prst="rect">
-            <a:avLst/>
-          </a:prstGeom>
-          <a:noFill/>
-        </p:spPr>
-        <p:txBody>
-          <a:bodyPr wrap="square" rtlCol="0">
-            <a:spAutoFit/>
-          </a:bodyPr>
-          <a:lstStyle/>
-          <a:p>
-            <a:r>
-              <a:rPr lang="en-US" altLang="zh-CN" sz="5400" dirty="0"/>
-              <a:t>2.</a:t>
-            </a:r>
-            <a:r>
-              <a:rPr lang="zh-CN" altLang="en-US" sz="5400" dirty="0"/>
-              <a:t>随机算法</a:t>
-            </a:r>
-          </a:p>
-        </p:txBody>
-      </p:sp>
-      <p:sp>
-        <p:nvSpPr>
-          <p:cNvPr id="7" name="文本框 6">
-            <a:extLst>
-              <a:ext uri="{FF2B5EF4-FFF2-40B4-BE49-F238E27FC236}">
-                <a16:creationId xmlns:a16="http://schemas.microsoft.com/office/drawing/2014/main" id="{489278BD-7924-47A9-9B2A-EE4F92AD0FB5}"/>
-              </a:ext>
-            </a:extLst>
-          </p:cNvPr>
-          <p:cNvSpPr txBox="1"/>
-          <p:nvPr/>
-        </p:nvSpPr>
-        <p:spPr>
-          <a:xfrm>
-            <a:off x="3536624" y="4607010"/>
-            <a:ext cx="5417269" cy="923330"/>
-          </a:xfrm>
-          <a:prstGeom prst="rect">
-            <a:avLst/>
-          </a:prstGeom>
-          <a:noFill/>
-        </p:spPr>
-        <p:txBody>
-          <a:bodyPr wrap="square" rtlCol="0">
-            <a:spAutoFit/>
-          </a:bodyPr>
-          <a:lstStyle/>
-          <a:p>
-            <a:r>
-              <a:rPr lang="en-US" altLang="zh-CN" sz="5400" dirty="0"/>
-              <a:t>3.</a:t>
-            </a:r>
-            <a:r>
-              <a:rPr lang="zh-CN" altLang="en-US" sz="5400" dirty="0"/>
-              <a:t>随机棋类</a:t>
-            </a:r>
-            <a:endParaRPr lang="zh-CN" altLang="en-US" sz="5400" strike="sngStrike" dirty="0"/>
-          </a:p>
-        </p:txBody>
-      </p:sp>
+      </p:pic>
     </p:spTree>
     <p:extLst>
       <p:ext uri="{BB962C8B-B14F-4D97-AF65-F5344CB8AC3E}">
-        <p14:creationId xmlns:p14="http://schemas.microsoft.com/office/powerpoint/2010/main" val="3730395942"/>
+        <p14:creationId xmlns:p14="http://schemas.microsoft.com/office/powerpoint/2010/main" val="172127474"/>
       </p:ext>
     </p:extLst>
   </p:cSld>
@@ -8571,105 +8735,10 @@
       </p:grpSpPr>
       <p:sp>
         <p:nvSpPr>
-          <p:cNvPr id="5" name="文本框 4">
+          <p:cNvPr id="4" name="文本框 3">
             <a:extLst>
               <a:ext uri="{FF2B5EF4-FFF2-40B4-BE49-F238E27FC236}">
-                <a16:creationId xmlns:a16="http://schemas.microsoft.com/office/drawing/2014/main" id="{815900AA-B640-4608-897A-D1E1B5439925}"/>
-              </a:ext>
-            </a:extLst>
-          </p:cNvPr>
-          <p:cNvSpPr txBox="1"/>
-          <p:nvPr/>
-        </p:nvSpPr>
-        <p:spPr>
-          <a:xfrm>
-            <a:off x="793424" y="1289395"/>
-            <a:ext cx="9104721" cy="5324535"/>
-          </a:xfrm>
-          <a:prstGeom prst="rect">
-            <a:avLst/>
-          </a:prstGeom>
-          <a:noFill/>
-        </p:spPr>
-        <p:txBody>
-          <a:bodyPr wrap="square" rtlCol="0">
-            <a:spAutoFit/>
-          </a:bodyPr>
-          <a:lstStyle/>
-          <a:p>
-            <a:r>
-              <a:rPr lang="en-US" altLang="zh-CN" sz="4000" dirty="0"/>
-              <a:t>1.</a:t>
-            </a:r>
-            <a:r>
-              <a:rPr lang="zh-CN" altLang="en-US" sz="4000" dirty="0"/>
-              <a:t>什么是随机数？</a:t>
-            </a:r>
-            <a:endParaRPr lang="en-US" altLang="zh-CN" sz="4000" dirty="0"/>
-          </a:p>
-          <a:p>
-            <a:r>
-              <a:rPr lang="en-US" altLang="zh-CN" sz="4000" dirty="0"/>
-              <a:t>	a)</a:t>
-            </a:r>
-            <a:r>
-              <a:rPr lang="zh-CN" altLang="en-US" sz="4000" dirty="0"/>
-              <a:t>真随机数</a:t>
-            </a:r>
-            <a:endParaRPr lang="en-US" altLang="zh-CN" sz="4000" dirty="0"/>
-          </a:p>
-          <a:p>
-            <a:r>
-              <a:rPr lang="en-US" altLang="zh-CN" sz="4000" dirty="0"/>
-              <a:t>	</a:t>
-            </a:r>
-            <a:r>
-              <a:rPr lang="zh-CN" altLang="zh-CN" sz="2800" dirty="0"/>
-              <a:t>产生的数值序列不可预计，几乎不可能产生两个完全相同的真随机数序列。真随机数是通过一些随机的物理过程来产生的，例如放射性衰变，电子设备噪声等。</a:t>
-            </a:r>
-            <a:endParaRPr lang="en-US" altLang="zh-CN" sz="4000" dirty="0"/>
-          </a:p>
-          <a:p>
-            <a:r>
-              <a:rPr lang="en-US" altLang="zh-CN" sz="4000" dirty="0"/>
-              <a:t>	b)</a:t>
-            </a:r>
-            <a:r>
-              <a:rPr lang="zh-CN" altLang="en-US" sz="4000" dirty="0"/>
-              <a:t>伪随机数</a:t>
-            </a:r>
-            <a:endParaRPr lang="en-US" altLang="zh-CN" sz="4000" dirty="0"/>
-          </a:p>
-          <a:p>
-            <a:r>
-              <a:rPr lang="en-US" altLang="zh-CN" sz="2800" dirty="0"/>
-              <a:t>	</a:t>
-            </a:r>
-            <a:r>
-              <a:rPr lang="zh-CN" altLang="zh-CN" sz="2800" dirty="0"/>
-              <a:t>通过公式或者算法生成的一个数值序列，虽然会遵循某种规律，在数学意义上并不是随机的，但是在统计意义上具有随机数的一些特性。</a:t>
-            </a:r>
-            <a:endParaRPr lang="en-US" altLang="zh-CN" sz="2800" dirty="0"/>
-          </a:p>
-          <a:p>
-            <a:r>
-              <a:rPr lang="en-US" altLang="zh-CN" sz="4000" dirty="0"/>
-              <a:t>	c)</a:t>
-            </a:r>
-            <a:r>
-              <a:rPr lang="zh-CN" altLang="en-US" sz="4000" dirty="0"/>
-              <a:t>随机数与拉普拉斯妖</a:t>
-            </a:r>
-            <a:endParaRPr lang="en-US" altLang="zh-CN" sz="4000" dirty="0"/>
-          </a:p>
-        </p:txBody>
-      </p:sp>
-      <p:sp>
-        <p:nvSpPr>
-          <p:cNvPr id="6" name="文本框 5">
-            <a:extLst>
-              <a:ext uri="{FF2B5EF4-FFF2-40B4-BE49-F238E27FC236}">
-                <a16:creationId xmlns:a16="http://schemas.microsoft.com/office/drawing/2014/main" id="{CFA138B7-B877-4BC6-92E6-DBF418CBEF16}"/>
+                <a16:creationId xmlns:a16="http://schemas.microsoft.com/office/drawing/2014/main" id="{9F92805E-F0E1-4F4A-8D7C-7769AE65D44B}"/>
               </a:ext>
             </a:extLst>
           </p:cNvPr>
@@ -8694,15 +8763,133 @@
           <a:p>
             <a:r>
               <a:rPr lang="zh-CN" altLang="en-US" sz="5400" dirty="0"/>
+              <a:t>随机杂谈</a:t>
+            </a:r>
+          </a:p>
+        </p:txBody>
+      </p:sp>
+      <p:sp>
+        <p:nvSpPr>
+          <p:cNvPr id="5" name="文本框 4">
+            <a:extLst>
+              <a:ext uri="{FF2B5EF4-FFF2-40B4-BE49-F238E27FC236}">
+                <a16:creationId xmlns:a16="http://schemas.microsoft.com/office/drawing/2014/main" id="{1198D5B3-4C49-4A2F-8D4D-1C88DC3FB7E6}"/>
+              </a:ext>
+            </a:extLst>
+          </p:cNvPr>
+          <p:cNvSpPr txBox="1"/>
+          <p:nvPr/>
+        </p:nvSpPr>
+        <p:spPr>
+          <a:xfrm>
+            <a:off x="1311898" y="1808366"/>
+            <a:ext cx="4449452" cy="923330"/>
+          </a:xfrm>
+          <a:prstGeom prst="rect">
+            <a:avLst/>
+          </a:prstGeom>
+          <a:noFill/>
+        </p:spPr>
+        <p:txBody>
+          <a:bodyPr wrap="square" rtlCol="0">
+            <a:spAutoFit/>
+          </a:bodyPr>
+          <a:lstStyle/>
+          <a:p>
+            <a:r>
+              <a:rPr lang="en-US" altLang="zh-CN" sz="5400" dirty="0"/>
+              <a:t>1.</a:t>
+            </a:r>
+            <a:r>
+              <a:rPr lang="zh-CN" altLang="en-US" sz="5400" dirty="0"/>
               <a:t>伪随机数</a:t>
             </a:r>
+          </a:p>
+        </p:txBody>
+      </p:sp>
+      <p:sp>
+        <p:nvSpPr>
+          <p:cNvPr id="6" name="文本框 5">
+            <a:extLst>
+              <a:ext uri="{FF2B5EF4-FFF2-40B4-BE49-F238E27FC236}">
+                <a16:creationId xmlns:a16="http://schemas.microsoft.com/office/drawing/2014/main" id="{7C6EE147-5CEA-4DD7-B834-326F05FCAB86}"/>
+              </a:ext>
+            </a:extLst>
+          </p:cNvPr>
+          <p:cNvSpPr txBox="1"/>
+          <p:nvPr/>
+        </p:nvSpPr>
+        <p:spPr>
+          <a:xfrm>
+            <a:off x="2397551" y="3207688"/>
+            <a:ext cx="5417269" cy="923330"/>
+          </a:xfrm>
+          <a:prstGeom prst="rect">
+            <a:avLst/>
+          </a:prstGeom>
+          <a:noFill/>
+        </p:spPr>
+        <p:txBody>
+          <a:bodyPr wrap="square" rtlCol="0">
+            <a:spAutoFit/>
+          </a:bodyPr>
+          <a:lstStyle/>
+          <a:p>
+            <a:r>
+              <a:rPr lang="en-US" altLang="zh-CN" sz="5400" dirty="0"/>
+              <a:t>2.</a:t>
+            </a:r>
+            <a:r>
+              <a:rPr lang="zh-CN" altLang="en-US" sz="5400" dirty="0"/>
+              <a:t>随机算法</a:t>
+            </a:r>
+          </a:p>
+        </p:txBody>
+      </p:sp>
+      <p:sp>
+        <p:nvSpPr>
+          <p:cNvPr id="7" name="文本框 6">
+            <a:extLst>
+              <a:ext uri="{FF2B5EF4-FFF2-40B4-BE49-F238E27FC236}">
+                <a16:creationId xmlns:a16="http://schemas.microsoft.com/office/drawing/2014/main" id="{489278BD-7924-47A9-9B2A-EE4F92AD0FB5}"/>
+              </a:ext>
+            </a:extLst>
+          </p:cNvPr>
+          <p:cNvSpPr txBox="1"/>
+          <p:nvPr/>
+        </p:nvSpPr>
+        <p:spPr>
+          <a:xfrm>
+            <a:off x="3536624" y="4607010"/>
+            <a:ext cx="5417269" cy="923330"/>
+          </a:xfrm>
+          <a:prstGeom prst="rect">
+            <a:avLst/>
+          </a:prstGeom>
+          <a:noFill/>
+        </p:spPr>
+        <p:txBody>
+          <a:bodyPr wrap="square" rtlCol="0">
+            <a:spAutoFit/>
+          </a:bodyPr>
+          <a:lstStyle/>
+          <a:p>
+            <a:r>
+              <a:rPr lang="en-US" altLang="zh-CN" sz="5400" dirty="0"/>
+              <a:t>3.</a:t>
+            </a:r>
+            <a:r>
+              <a:rPr lang="zh-CN" altLang="en-US" sz="5400" dirty="0"/>
+              <a:t>随机棋类</a:t>
+            </a:r>
+            <a:endParaRPr lang="zh-CN" altLang="en-US" sz="5400" strike="sngStrike" dirty="0"/>
           </a:p>
         </p:txBody>
       </p:sp>
     </p:spTree>
     <p:extLst>
       <p:ext uri="{BB962C8B-B14F-4D97-AF65-F5344CB8AC3E}">
-        <p14:creationId xmlns:p14="http://schemas.microsoft.com/office/powerpoint/2010/main" val="3331287759"/>
+        <p14:creationId xmlns:p14="http://schemas.microsoft.com/office/powerpoint/2010/main" val="3730395942"/>
       </p:ext>
     </p:extLst>
   </p:cSld>
@@ -8743,6 +8930,166 @@
         </p:nvSpPr>
         <p:spPr>
           <a:xfrm>
+            <a:off x="793424" y="1289395"/>
+            <a:ext cx="9104721" cy="5324535"/>
+          </a:xfrm>
+          <a:prstGeom prst="rect">
+            <a:avLst/>
+          </a:prstGeom>
+          <a:noFill/>
+        </p:spPr>
+        <p:txBody>
+          <a:bodyPr wrap="square" rtlCol="0">
+            <a:spAutoFit/>
+          </a:bodyPr>
+          <a:lstStyle/>
+          <a:p>
+            <a:r>
+              <a:rPr lang="en-US" altLang="zh-CN" sz="4000" dirty="0"/>
+              <a:t>1.</a:t>
+            </a:r>
+            <a:r>
+              <a:rPr lang="zh-CN" altLang="en-US" sz="4000" dirty="0"/>
+              <a:t>什么是随机数？</a:t>
+            </a:r>
+            <a:endParaRPr lang="en-US" altLang="zh-CN" sz="4000" dirty="0"/>
+          </a:p>
+          <a:p>
+            <a:r>
+              <a:rPr lang="en-US" altLang="zh-CN" sz="4000" dirty="0"/>
+              <a:t>	a)</a:t>
+            </a:r>
+            <a:r>
+              <a:rPr lang="zh-CN" altLang="en-US" sz="4000" dirty="0"/>
+              <a:t>真随机数</a:t>
+            </a:r>
+            <a:endParaRPr lang="en-US" altLang="zh-CN" sz="4000" dirty="0"/>
+          </a:p>
+          <a:p>
+            <a:r>
+              <a:rPr lang="en-US" altLang="zh-CN" sz="4000" dirty="0"/>
+              <a:t>	</a:t>
+            </a:r>
+            <a:r>
+              <a:rPr lang="zh-CN" altLang="zh-CN" sz="2800" dirty="0"/>
+              <a:t>产生的数值序列不可预计，几乎不可能产生两个完全相同的真随机数序列。真随机数是通过一些随机的物理过程来产生的，例如放射性衰变，电子设备噪声等。</a:t>
+            </a:r>
+            <a:endParaRPr lang="en-US" altLang="zh-CN" sz="4000" dirty="0"/>
+          </a:p>
+          <a:p>
+            <a:r>
+              <a:rPr lang="en-US" altLang="zh-CN" sz="4000" dirty="0"/>
+              <a:t>	b)</a:t>
+            </a:r>
+            <a:r>
+              <a:rPr lang="zh-CN" altLang="en-US" sz="4000" dirty="0"/>
+              <a:t>伪随机数</a:t>
+            </a:r>
+            <a:endParaRPr lang="en-US" altLang="zh-CN" sz="4000" dirty="0"/>
+          </a:p>
+          <a:p>
+            <a:r>
+              <a:rPr lang="en-US" altLang="zh-CN" sz="2800" dirty="0"/>
+              <a:t>	</a:t>
+            </a:r>
+            <a:r>
+              <a:rPr lang="zh-CN" altLang="zh-CN" sz="2800" dirty="0"/>
+              <a:t>通过公式或者算法生成的一个数值序列，虽然会遵循某种规律，在数学意义上并不是随机的，但是在统计意义上具有随机数的一些特性。</a:t>
+            </a:r>
+            <a:endParaRPr lang="en-US" altLang="zh-CN" sz="2800" dirty="0"/>
+          </a:p>
+          <a:p>
+            <a:r>
+              <a:rPr lang="en-US" altLang="zh-CN" sz="4000" dirty="0"/>
+              <a:t>	c)</a:t>
+            </a:r>
+            <a:r>
+              <a:rPr lang="zh-CN" altLang="en-US" sz="4000" dirty="0"/>
+              <a:t>随机数与拉普拉斯妖</a:t>
+            </a:r>
+            <a:endParaRPr lang="en-US" altLang="zh-CN" sz="4000" dirty="0"/>
+          </a:p>
+        </p:txBody>
+      </p:sp>
+      <p:sp>
+        <p:nvSpPr>
+          <p:cNvPr id="6" name="文本框 5">
+            <a:extLst>
+              <a:ext uri="{FF2B5EF4-FFF2-40B4-BE49-F238E27FC236}">
+                <a16:creationId xmlns:a16="http://schemas.microsoft.com/office/drawing/2014/main" id="{CFA138B7-B877-4BC6-92E6-DBF418CBEF16}"/>
+              </a:ext>
+            </a:extLst>
+          </p:cNvPr>
+          <p:cNvSpPr txBox="1"/>
+          <p:nvPr/>
+        </p:nvSpPr>
+        <p:spPr>
+          <a:xfrm>
+            <a:off x="3704735" y="307933"/>
+            <a:ext cx="4449452" cy="923330"/>
+          </a:xfrm>
+          <a:prstGeom prst="rect">
+            <a:avLst/>
+          </a:prstGeom>
+          <a:noFill/>
+        </p:spPr>
+        <p:txBody>
+          <a:bodyPr wrap="square" rtlCol="0">
+            <a:spAutoFit/>
+          </a:bodyPr>
+          <a:lstStyle/>
+          <a:p>
+            <a:r>
+              <a:rPr lang="zh-CN" altLang="en-US" sz="5400" dirty="0"/>
+              <a:t>伪随机数</a:t>
+            </a:r>
+          </a:p>
+        </p:txBody>
+      </p:sp>
+    </p:spTree>
+    <p:extLst>
+      <p:ext uri="{BB962C8B-B14F-4D97-AF65-F5344CB8AC3E}">
+        <p14:creationId xmlns:p14="http://schemas.microsoft.com/office/powerpoint/2010/main" val="3331287759"/>
+      </p:ext>
+    </p:extLst>
+  </p:cSld>
+  <p:clrMapOvr>
+    <a:masterClrMapping/>
+  </p:clrMapOvr>
+</p:sld>
+</file>
+
+<file path=ppt/slides/slide5.xml><?xml version="1.0" encoding="utf-8"?>
+<p:sld xmlns:a="http://schemas.openxmlformats.org/drawingml/2006/main" xmlns:r="http://schemas.openxmlformats.org/officeDocument/2006/relationships" xmlns:p="http://schemas.openxmlformats.org/presentationml/2006/main">
+  <p:cSld>
+    <p:spTree>
+      <p:nvGrpSpPr>
+        <p:cNvPr id="1" name=""/>
+        <p:cNvGrpSpPr/>
+        <p:nvPr/>
+      </p:nvGrpSpPr>
+      <p:grpSpPr>
+        <a:xfrm>
+          <a:off x="0" y="0"/>
+          <a:ext cx="0" cy="0"/>
+          <a:chOff x="0" y="0"/>
+          <a:chExt cx="0" cy="0"/>
+        </a:xfrm>
+      </p:grpSpPr>
+      <p:sp>
+        <p:nvSpPr>
+          <p:cNvPr id="5" name="文本框 4">
+            <a:extLst>
+              <a:ext uri="{FF2B5EF4-FFF2-40B4-BE49-F238E27FC236}">
+                <a16:creationId xmlns:a16="http://schemas.microsoft.com/office/drawing/2014/main" id="{815900AA-B640-4608-897A-D1E1B5439925}"/>
+              </a:ext>
+            </a:extLst>
+          </p:cNvPr>
+          <p:cNvSpPr txBox="1"/>
+          <p:nvPr/>
+        </p:nvSpPr>
+        <p:spPr>
+          <a:xfrm>
             <a:off x="1290380" y="2243551"/>
             <a:ext cx="9354428" cy="3477875"/>
           </a:xfrm>
@@ -8869,7 +9216,7 @@
 </p:sld>
 </file>
 
-<file path=ppt/slides/slide5.xml><?xml version="1.0" encoding="utf-8"?>
+<file path=ppt/slides/slide6.xml><?xml version="1.0" encoding="utf-8"?>
 <p:sld xmlns:a="http://schemas.openxmlformats.org/drawingml/2006/main" xmlns:r="http://schemas.openxmlformats.org/officeDocument/2006/relationships" xmlns:p="http://schemas.openxmlformats.org/presentationml/2006/main">
   <p:cSld>
     <p:spTree>
@@ -9079,7 +9426,7 @@
 </p:sld>
 </file>
 
-<file path=ppt/slides/slide6.xml><?xml version="1.0" encoding="utf-8"?>
+<file path=ppt/slides/slide7.xml><?xml version="1.0" encoding="utf-8"?>
 <p:sld xmlns:a="http://schemas.openxmlformats.org/drawingml/2006/main" xmlns:r="http://schemas.openxmlformats.org/officeDocument/2006/relationships" xmlns:p="http://schemas.openxmlformats.org/presentationml/2006/main">
   <p:cSld>
     <p:spTree>
@@ -9344,7 +9691,7 @@
 </p:sld>
 </file>
 
-<file path=ppt/slides/slide7.xml><?xml version="1.0" encoding="utf-8"?>
+<file path=ppt/slides/slide8.xml><?xml version="1.0" encoding="utf-8"?>
 <p:sld xmlns:a="http://schemas.openxmlformats.org/drawingml/2006/main" xmlns:r="http://schemas.openxmlformats.org/officeDocument/2006/relationships" xmlns:p="http://schemas.openxmlformats.org/presentationml/2006/main">
   <p:cSld>
     <p:spTree>
@@ -9526,231 +9873,6 @@
 </p:sld>
 </file>
 
-<file path=ppt/slides/slide8.xml><?xml version="1.0" encoding="utf-8"?>
-<p:sld xmlns:a="http://schemas.openxmlformats.org/drawingml/2006/main" xmlns:r="http://schemas.openxmlformats.org/officeDocument/2006/relationships" xmlns:p="http://schemas.openxmlformats.org/presentationml/2006/main">
-  <p:cSld>
-    <p:spTree>
-      <p:nvGrpSpPr>
-        <p:cNvPr id="1" name=""/>
-        <p:cNvGrpSpPr/>
-        <p:nvPr/>
-      </p:nvGrpSpPr>
-      <p:grpSpPr>
-        <a:xfrm>
-          <a:off x="0" y="0"/>
-          <a:ext cx="0" cy="0"/>
-          <a:chOff x="0" y="0"/>
-          <a:chExt cx="0" cy="0"/>
-        </a:xfrm>
-      </p:grpSpPr>
-      <p:sp>
-        <p:nvSpPr>
-          <p:cNvPr id="5" name="文本框 4">
-            <a:extLst>
-              <a:ext uri="{FF2B5EF4-FFF2-40B4-BE49-F238E27FC236}">
-                <a16:creationId xmlns:a16="http://schemas.microsoft.com/office/drawing/2014/main" id="{815900AA-B640-4608-897A-D1E1B5439925}"/>
-              </a:ext>
-            </a:extLst>
-          </p:cNvPr>
-          <p:cNvSpPr txBox="1"/>
-          <p:nvPr/>
-        </p:nvSpPr>
-        <p:spPr>
-          <a:xfrm>
-            <a:off x="1153691" y="2024890"/>
-            <a:ext cx="3149099" cy="707886"/>
-          </a:xfrm>
-          <a:prstGeom prst="rect">
-            <a:avLst/>
-          </a:prstGeom>
-          <a:noFill/>
-        </p:spPr>
-        <p:txBody>
-          <a:bodyPr wrap="square" rtlCol="0">
-            <a:spAutoFit/>
-          </a:bodyPr>
-          <a:lstStyle/>
-          <a:p>
-            <a:r>
-              <a:rPr lang="en-US" altLang="zh-CN" sz="4000" dirty="0"/>
-              <a:t>1.</a:t>
-            </a:r>
-            <a:r>
-              <a:rPr lang="zh-CN" altLang="en-US" sz="4000" dirty="0"/>
-              <a:t>遗传算法</a:t>
-            </a:r>
-            <a:endParaRPr lang="en-US" altLang="zh-CN" sz="4000" dirty="0"/>
-          </a:p>
-        </p:txBody>
-      </p:sp>
-      <p:sp>
-        <p:nvSpPr>
-          <p:cNvPr id="6" name="文本框 5">
-            <a:extLst>
-              <a:ext uri="{FF2B5EF4-FFF2-40B4-BE49-F238E27FC236}">
-                <a16:creationId xmlns:a16="http://schemas.microsoft.com/office/drawing/2014/main" id="{C559BF3D-DEEC-4126-8C1E-814BBDF90685}"/>
-              </a:ext>
-            </a:extLst>
-          </p:cNvPr>
-          <p:cNvSpPr txBox="1"/>
-          <p:nvPr/>
-        </p:nvSpPr>
-        <p:spPr>
-          <a:xfrm>
-            <a:off x="3704735" y="307933"/>
-            <a:ext cx="4449452" cy="923330"/>
-          </a:xfrm>
-          <a:prstGeom prst="rect">
-            <a:avLst/>
-          </a:prstGeom>
-          <a:noFill/>
-        </p:spPr>
-        <p:txBody>
-          <a:bodyPr wrap="square" rtlCol="0">
-            <a:spAutoFit/>
-          </a:bodyPr>
-          <a:lstStyle/>
-          <a:p>
-            <a:r>
-              <a:rPr lang="zh-CN" altLang="en-US" sz="5400" dirty="0"/>
-              <a:t>随机算法</a:t>
-            </a:r>
-          </a:p>
-        </p:txBody>
-      </p:sp>
-      <p:sp>
-        <p:nvSpPr>
-          <p:cNvPr id="4" name="文本框 3">
-            <a:extLst>
-              <a:ext uri="{FF2B5EF4-FFF2-40B4-BE49-F238E27FC236}">
-                <a16:creationId xmlns:a16="http://schemas.microsoft.com/office/drawing/2014/main" id="{23FFD4E1-2D47-4AA8-895F-B727D37025B9}"/>
-              </a:ext>
-            </a:extLst>
-          </p:cNvPr>
-          <p:cNvSpPr txBox="1"/>
-          <p:nvPr/>
-        </p:nvSpPr>
-        <p:spPr>
-          <a:xfrm>
-            <a:off x="2468969" y="3281791"/>
-            <a:ext cx="3149099" cy="707886"/>
-          </a:xfrm>
-          <a:prstGeom prst="rect">
-            <a:avLst/>
-          </a:prstGeom>
-          <a:noFill/>
-        </p:spPr>
-        <p:txBody>
-          <a:bodyPr wrap="square" rtlCol="0">
-            <a:spAutoFit/>
-          </a:bodyPr>
-          <a:lstStyle/>
-          <a:p>
-            <a:r>
-              <a:rPr lang="en-US" altLang="zh-CN" sz="4000" dirty="0"/>
-              <a:t>2.</a:t>
-            </a:r>
-            <a:r>
-              <a:rPr lang="zh-CN" altLang="en-US" sz="4000" dirty="0"/>
-              <a:t>模拟退火</a:t>
-            </a:r>
-            <a:endParaRPr lang="en-US" altLang="zh-CN" sz="4000" dirty="0"/>
-          </a:p>
-        </p:txBody>
-      </p:sp>
-      <p:sp>
-        <p:nvSpPr>
-          <p:cNvPr id="7" name="文本框 6">
-            <a:extLst>
-              <a:ext uri="{FF2B5EF4-FFF2-40B4-BE49-F238E27FC236}">
-                <a16:creationId xmlns:a16="http://schemas.microsoft.com/office/drawing/2014/main" id="{B4106B90-64CC-4DA5-B721-4EFD394D7146}"/>
-              </a:ext>
-            </a:extLst>
-          </p:cNvPr>
-          <p:cNvSpPr txBox="1"/>
-          <p:nvPr/>
-        </p:nvSpPr>
-        <p:spPr>
-          <a:xfrm>
-            <a:off x="3635161" y="4484026"/>
-            <a:ext cx="3149099" cy="707886"/>
-          </a:xfrm>
-          <a:prstGeom prst="rect">
-            <a:avLst/>
-          </a:prstGeom>
-          <a:noFill/>
-        </p:spPr>
-        <p:txBody>
-          <a:bodyPr wrap="square" rtlCol="0">
-            <a:spAutoFit/>
-          </a:bodyPr>
-          <a:lstStyle/>
-          <a:p>
-            <a:r>
-              <a:rPr lang="en-US" altLang="zh-CN" sz="4000" dirty="0"/>
-              <a:t>3.</a:t>
-            </a:r>
-            <a:r>
-              <a:rPr lang="zh-CN" altLang="en-US" sz="4000" dirty="0"/>
-              <a:t>蒙特卡洛</a:t>
-            </a:r>
-            <a:endParaRPr lang="en-US" altLang="zh-CN" sz="4000" dirty="0"/>
-          </a:p>
-        </p:txBody>
-      </p:sp>
-      <p:sp>
-        <p:nvSpPr>
-          <p:cNvPr id="8" name="文本框 7">
-            <a:extLst>
-              <a:ext uri="{FF2B5EF4-FFF2-40B4-BE49-F238E27FC236}">
-                <a16:creationId xmlns:a16="http://schemas.microsoft.com/office/drawing/2014/main" id="{89471244-4A3D-41A8-ABD8-F5358BF0FDD2}"/>
-              </a:ext>
-            </a:extLst>
-          </p:cNvPr>
-          <p:cNvSpPr txBox="1"/>
-          <p:nvPr/>
-        </p:nvSpPr>
-        <p:spPr>
-          <a:xfrm>
-            <a:off x="5005088" y="5686262"/>
-            <a:ext cx="5212338" cy="707886"/>
-          </a:xfrm>
-          <a:prstGeom prst="rect">
-            <a:avLst/>
-          </a:prstGeom>
-          <a:noFill/>
-        </p:spPr>
-        <p:txBody>
-          <a:bodyPr wrap="square" rtlCol="0">
-            <a:spAutoFit/>
-          </a:bodyPr>
-          <a:lstStyle/>
-          <a:p>
-            <a:r>
-              <a:rPr lang="en-US" altLang="zh-CN" sz="4000" dirty="0"/>
-              <a:t>4.</a:t>
-            </a:r>
-            <a:r>
-              <a:rPr lang="zh-CN" altLang="en-US" sz="4000" dirty="0"/>
-              <a:t>特定规律随机序列</a:t>
-            </a:r>
-            <a:endParaRPr lang="en-US" altLang="zh-CN" sz="4000" dirty="0"/>
-          </a:p>
-        </p:txBody>
-      </p:sp>
-    </p:spTree>
-    <p:extLst>
-      <p:ext uri="{BB962C8B-B14F-4D97-AF65-F5344CB8AC3E}">
-        <p14:creationId xmlns:p14="http://schemas.microsoft.com/office/powerpoint/2010/main" val="2399246647"/>
-      </p:ext>
-    </p:extLst>
-  </p:cSld>
-  <p:clrMapOvr>
-    <a:masterClrMapping/>
-  </p:clrMapOvr>
-</p:sld>
-</file>
-
 <file path=ppt/slides/slide9.xml><?xml version="1.0" encoding="utf-8"?>
 <p:sld xmlns:a="http://schemas.openxmlformats.org/drawingml/2006/main" xmlns:r="http://schemas.openxmlformats.org/officeDocument/2006/relationships" xmlns:p="http://schemas.openxmlformats.org/presentationml/2006/main">
   <p:cSld>
@@ -9782,8 +9904,8 @@
         </p:nvSpPr>
         <p:spPr>
           <a:xfrm>
-            <a:off x="2390276" y="1885743"/>
-            <a:ext cx="6376037" cy="707886"/>
+            <a:off x="1153691" y="2024890"/>
+            <a:ext cx="3149099" cy="707886"/>
           </a:xfrm>
           <a:prstGeom prst="rect">
             <a:avLst/>
@@ -9797,8 +9919,12 @@
           <a:lstStyle/>
           <a:p>
             <a:r>
+              <a:rPr lang="en-US" altLang="zh-CN" sz="4000" dirty="0"/>
+              <a:t>1.</a:t>
+            </a:r>
+            <a:r>
               <a:rPr lang="zh-CN" altLang="en-US" sz="4000" dirty="0"/>
-              <a:t>蒙特卡洛算法求数值积分</a:t>
+              <a:t>遗传算法</a:t>
             </a:r>
             <a:endParaRPr lang="en-US" altLang="zh-CN" sz="4000" dirty="0"/>
           </a:p>
@@ -9839,46 +9965,130 @@
           </a:p>
         </p:txBody>
       </p:sp>
-      <p:pic>
-        <p:nvPicPr>
-          <p:cNvPr id="3" name="图片 2">
+      <p:sp>
+        <p:nvSpPr>
+          <p:cNvPr id="4" name="文本框 3">
             <a:extLst>
               <a:ext uri="{FF2B5EF4-FFF2-40B4-BE49-F238E27FC236}">
-                <a16:creationId xmlns:a16="http://schemas.microsoft.com/office/drawing/2014/main" id="{2E3C1294-E936-41F4-82CC-0F6BAA87DBD9}"/>
+                <a16:creationId xmlns:a16="http://schemas.microsoft.com/office/drawing/2014/main" id="{23FFD4E1-2D47-4AA8-895F-B727D37025B9}"/>
               </a:ext>
             </a:extLst>
           </p:cNvPr>
-          <p:cNvPicPr>
-            <a:picLocks noChangeAspect="1"/>
-          </p:cNvPicPr>
+          <p:cNvSpPr txBox="1"/>
           <p:nvPr/>
-        </p:nvPicPr>
-        <p:blipFill>
-          <a:blip r:embed="rId3">
-            <a:extLst>
-              <a:ext uri="{28A0092B-C50C-407E-A947-70E740481C1C}">
-                <a14:useLocalDpi xmlns:a14="http://schemas.microsoft.com/office/drawing/2010/main" val="0"/>
-              </a:ext>
-            </a:extLst>
-          </a:blip>
-          <a:stretch>
-            <a:fillRect/>
-          </a:stretch>
-        </p:blipFill>
+        </p:nvSpPr>
         <p:spPr>
           <a:xfrm>
-            <a:off x="3441382" y="3248109"/>
-            <a:ext cx="4029075" cy="1381125"/>
+            <a:off x="2468969" y="3281791"/>
+            <a:ext cx="3149099" cy="707886"/>
           </a:xfrm>
           <a:prstGeom prst="rect">
             <a:avLst/>
           </a:prstGeom>
+          <a:noFill/>
         </p:spPr>
-      </p:pic>
+        <p:txBody>
+          <a:bodyPr wrap="square" rtlCol="0">
+            <a:spAutoFit/>
+          </a:bodyPr>
+          <a:lstStyle/>
+          <a:p>
+            <a:r>
+              <a:rPr lang="en-US" altLang="zh-CN" sz="4000" dirty="0"/>
+              <a:t>2.</a:t>
+            </a:r>
+            <a:r>
+              <a:rPr lang="zh-CN" altLang="en-US" sz="4000" dirty="0"/>
+              <a:t>模拟退火</a:t>
+            </a:r>
+            <a:endParaRPr lang="en-US" altLang="zh-CN" sz="4000" dirty="0"/>
+          </a:p>
+        </p:txBody>
+      </p:sp>
+      <p:sp>
+        <p:nvSpPr>
+          <p:cNvPr id="7" name="文本框 6">
+            <a:extLst>
+              <a:ext uri="{FF2B5EF4-FFF2-40B4-BE49-F238E27FC236}">
+                <a16:creationId xmlns:a16="http://schemas.microsoft.com/office/drawing/2014/main" id="{B4106B90-64CC-4DA5-B721-4EFD394D7146}"/>
+              </a:ext>
+            </a:extLst>
+          </p:cNvPr>
+          <p:cNvSpPr txBox="1"/>
+          <p:nvPr/>
+        </p:nvSpPr>
+        <p:spPr>
+          <a:xfrm>
+            <a:off x="3635161" y="4484026"/>
+            <a:ext cx="3149099" cy="707886"/>
+          </a:xfrm>
+          <a:prstGeom prst="rect">
+            <a:avLst/>
+          </a:prstGeom>
+          <a:noFill/>
+        </p:spPr>
+        <p:txBody>
+          <a:bodyPr wrap="square" rtlCol="0">
+            <a:spAutoFit/>
+          </a:bodyPr>
+          <a:lstStyle/>
+          <a:p>
+            <a:r>
+              <a:rPr lang="en-US" altLang="zh-CN" sz="4000" dirty="0"/>
+              <a:t>3.</a:t>
+            </a:r>
+            <a:r>
+              <a:rPr lang="zh-CN" altLang="en-US" sz="4000" dirty="0"/>
+              <a:t>蒙特卡洛</a:t>
+            </a:r>
+            <a:endParaRPr lang="en-US" altLang="zh-CN" sz="4000" dirty="0"/>
+          </a:p>
+        </p:txBody>
+      </p:sp>
+      <p:sp>
+        <p:nvSpPr>
+          <p:cNvPr id="8" name="文本框 7">
+            <a:extLst>
+              <a:ext uri="{FF2B5EF4-FFF2-40B4-BE49-F238E27FC236}">
+                <a16:creationId xmlns:a16="http://schemas.microsoft.com/office/drawing/2014/main" id="{89471244-4A3D-41A8-ABD8-F5358BF0FDD2}"/>
+              </a:ext>
+            </a:extLst>
+          </p:cNvPr>
+          <p:cNvSpPr txBox="1"/>
+          <p:nvPr/>
+        </p:nvSpPr>
+        <p:spPr>
+          <a:xfrm>
+            <a:off x="5005088" y="5686262"/>
+            <a:ext cx="5212338" cy="707886"/>
+          </a:xfrm>
+          <a:prstGeom prst="rect">
+            <a:avLst/>
+          </a:prstGeom>
+          <a:noFill/>
+        </p:spPr>
+        <p:txBody>
+          <a:bodyPr wrap="square" rtlCol="0">
+            <a:spAutoFit/>
+          </a:bodyPr>
+          <a:lstStyle/>
+          <a:p>
+            <a:r>
+              <a:rPr lang="en-US" altLang="zh-CN" sz="4000" dirty="0"/>
+              <a:t>4.</a:t>
+            </a:r>
+            <a:r>
+              <a:rPr lang="zh-CN" altLang="en-US" sz="4000" dirty="0"/>
+              <a:t>特定规律随机序列</a:t>
+            </a:r>
+            <a:endParaRPr lang="en-US" altLang="zh-CN" sz="4000" dirty="0"/>
+          </a:p>
+        </p:txBody>
+      </p:sp>
     </p:spTree>
     <p:extLst>
       <p:ext uri="{BB962C8B-B14F-4D97-AF65-F5344CB8AC3E}">
-        <p14:creationId xmlns:p14="http://schemas.microsoft.com/office/powerpoint/2010/main" val="3157040008"/>
+        <p14:creationId xmlns:p14="http://schemas.microsoft.com/office/powerpoint/2010/main" val="2399246647"/>
       </p:ext>
     </p:extLst>
   </p:cSld>

--- a/无处不在的数学——随机杂谈.pptx
+++ b/无处不在的数学——随机杂谈.pptx
@@ -23,7 +23,7 @@
     <p:sldId id="265" r:id="rId14"/>
     <p:sldId id="271" r:id="rId15"/>
     <p:sldId id="272" r:id="rId16"/>
-    <p:sldId id="273" r:id="rId17"/>
+    <p:sldId id="275" r:id="rId17"/>
     <p:sldId id="269" r:id="rId18"/>
   </p:sldIdLst>
   <p:sldSz cx="12192000" cy="6858000"/>
@@ -213,7 +213,7 @@
           <a:p>
             <a:fld id="{53200FD4-0A60-46DA-A5EA-2CF203216A91}" type="datetimeFigureOut">
               <a:rPr lang="zh-CN" altLang="en-US" smtClean="0"/>
-              <a:t>2019/5/16</a:t>
+              <a:t>2019/5/29</a:t>
             </a:fld>
             <a:endParaRPr lang="zh-CN" altLang="en-US"/>
           </a:p>
@@ -807,90 +807,6 @@
     <p:extLst>
       <p:ext uri="{BB962C8B-B14F-4D97-AF65-F5344CB8AC3E}">
         <p14:creationId xmlns:p14="http://schemas.microsoft.com/office/powerpoint/2010/main" val="1585142844"/>
-      </p:ext>
-    </p:extLst>
-  </p:cSld>
-  <p:clrMapOvr>
-    <a:masterClrMapping/>
-  </p:clrMapOvr>
-</p:notes>
-</file>
-
-<file path=ppt/notesSlides/notesSlide13.xml><?xml version="1.0" encoding="utf-8"?>
-<p:notes xmlns:a="http://schemas.openxmlformats.org/drawingml/2006/main" xmlns:r="http://schemas.openxmlformats.org/officeDocument/2006/relationships" xmlns:p="http://schemas.openxmlformats.org/presentationml/2006/main">
-  <p:cSld>
-    <p:spTree>
-      <p:nvGrpSpPr>
-        <p:cNvPr id="1" name=""/>
-        <p:cNvGrpSpPr/>
-        <p:nvPr/>
-      </p:nvGrpSpPr>
-      <p:grpSpPr>
-        <a:xfrm>
-          <a:off x="0" y="0"/>
-          <a:ext cx="0" cy="0"/>
-          <a:chOff x="0" y="0"/>
-          <a:chExt cx="0" cy="0"/>
-        </a:xfrm>
-      </p:grpSpPr>
-      <p:sp>
-        <p:nvSpPr>
-          <p:cNvPr id="2" name="幻灯片图像占位符 1"/>
-          <p:cNvSpPr>
-            <a:spLocks noGrp="1" noRot="1" noChangeAspect="1"/>
-          </p:cNvSpPr>
-          <p:nvPr>
-            <p:ph type="sldImg"/>
-          </p:nvPr>
-        </p:nvSpPr>
-        <p:spPr/>
-      </p:sp>
-      <p:sp>
-        <p:nvSpPr>
-          <p:cNvPr id="3" name="备注占位符 2"/>
-          <p:cNvSpPr>
-            <a:spLocks noGrp="1"/>
-          </p:cNvSpPr>
-          <p:nvPr>
-            <p:ph type="body" idx="1"/>
-          </p:nvPr>
-        </p:nvSpPr>
-        <p:spPr/>
-        <p:txBody>
-          <a:bodyPr/>
-          <a:lstStyle/>
-          <a:p>
-            <a:endParaRPr lang="zh-CN" altLang="en-US" dirty="0"/>
-          </a:p>
-        </p:txBody>
-      </p:sp>
-      <p:sp>
-        <p:nvSpPr>
-          <p:cNvPr id="4" name="灯片编号占位符 3"/>
-          <p:cNvSpPr>
-            <a:spLocks noGrp="1"/>
-          </p:cNvSpPr>
-          <p:nvPr>
-            <p:ph type="sldNum" sz="quarter" idx="5"/>
-          </p:nvPr>
-        </p:nvSpPr>
-        <p:spPr/>
-        <p:txBody>
-          <a:bodyPr/>
-          <a:lstStyle/>
-          <a:p>
-            <a:fld id="{2D02B6DD-E237-4A7F-B86A-069232C8B28C}" type="slidenum">
-              <a:rPr lang="zh-CN" altLang="en-US" smtClean="0"/>
-              <a:t>16</a:t>
-            </a:fld>
-            <a:endParaRPr lang="zh-CN" altLang="en-US"/>
-          </a:p>
-        </p:txBody>
-      </p:sp>
-    </p:spTree>
-    <p:extLst>
-      <p:ext uri="{BB962C8B-B14F-4D97-AF65-F5344CB8AC3E}">
-        <p14:creationId xmlns:p14="http://schemas.microsoft.com/office/powerpoint/2010/main" val="605301474"/>
       </p:ext>
     </p:extLst>
   </p:cSld>
@@ -2296,7 +2212,7 @@
           <a:p>
             <a:fld id="{4EE0CBB0-6761-4E67-92AC-FBE2A045F14C}" type="datetimeFigureOut">
               <a:rPr lang="zh-CN" altLang="en-US" smtClean="0"/>
-              <a:t>2019/5/16</a:t>
+              <a:t>2019/5/29</a:t>
             </a:fld>
             <a:endParaRPr lang="zh-CN" altLang="en-US"/>
           </a:p>
@@ -2547,7 +2463,7 @@
           <a:p>
             <a:fld id="{4EE0CBB0-6761-4E67-92AC-FBE2A045F14C}" type="datetimeFigureOut">
               <a:rPr lang="zh-CN" altLang="en-US" smtClean="0"/>
-              <a:t>2019/5/16</a:t>
+              <a:t>2019/5/29</a:t>
             </a:fld>
             <a:endParaRPr lang="zh-CN" altLang="en-US"/>
           </a:p>
@@ -2861,7 +2777,7 @@
           <a:p>
             <a:fld id="{4EE0CBB0-6761-4E67-92AC-FBE2A045F14C}" type="datetimeFigureOut">
               <a:rPr lang="zh-CN" altLang="en-US" smtClean="0"/>
-              <a:t>2019/5/16</a:t>
+              <a:t>2019/5/29</a:t>
             </a:fld>
             <a:endParaRPr lang="zh-CN" altLang="en-US"/>
           </a:p>
@@ -3188,7 +3104,7 @@
           <a:p>
             <a:fld id="{4EE0CBB0-6761-4E67-92AC-FBE2A045F14C}" type="datetimeFigureOut">
               <a:rPr lang="zh-CN" altLang="en-US" smtClean="0"/>
-              <a:t>2019/5/16</a:t>
+              <a:t>2019/5/29</a:t>
             </a:fld>
             <a:endParaRPr lang="zh-CN" altLang="en-US"/>
           </a:p>
@@ -3502,7 +3418,7 @@
           <a:p>
             <a:fld id="{4EE0CBB0-6761-4E67-92AC-FBE2A045F14C}" type="datetimeFigureOut">
               <a:rPr lang="zh-CN" altLang="en-US" smtClean="0"/>
-              <a:t>2019/5/16</a:t>
+              <a:t>2019/5/29</a:t>
             </a:fld>
             <a:endParaRPr lang="zh-CN" altLang="en-US"/>
           </a:p>
@@ -3889,7 +3805,7 @@
           <a:p>
             <a:fld id="{4EE0CBB0-6761-4E67-92AC-FBE2A045F14C}" type="datetimeFigureOut">
               <a:rPr lang="zh-CN" altLang="en-US" smtClean="0"/>
-              <a:t>2019/5/16</a:t>
+              <a:t>2019/5/29</a:t>
             </a:fld>
             <a:endParaRPr lang="zh-CN" altLang="en-US"/>
           </a:p>
@@ -4059,7 +3975,7 @@
           <a:p>
             <a:fld id="{4EE0CBB0-6761-4E67-92AC-FBE2A045F14C}" type="datetimeFigureOut">
               <a:rPr lang="zh-CN" altLang="en-US" smtClean="0"/>
-              <a:t>2019/5/16</a:t>
+              <a:t>2019/5/29</a:t>
             </a:fld>
             <a:endParaRPr lang="zh-CN" altLang="en-US"/>
           </a:p>
@@ -4239,7 +4155,7 @@
           <a:p>
             <a:fld id="{4EE0CBB0-6761-4E67-92AC-FBE2A045F14C}" type="datetimeFigureOut">
               <a:rPr lang="zh-CN" altLang="en-US" smtClean="0"/>
-              <a:t>2019/5/16</a:t>
+              <a:t>2019/5/29</a:t>
             </a:fld>
             <a:endParaRPr lang="zh-CN" altLang="en-US"/>
           </a:p>
@@ -4415,7 +4331,7 @@
           <a:p>
             <a:fld id="{4EE0CBB0-6761-4E67-92AC-FBE2A045F14C}" type="datetimeFigureOut">
               <a:rPr lang="zh-CN" altLang="en-US" smtClean="0"/>
-              <a:t>2019/5/16</a:t>
+              <a:t>2019/5/29</a:t>
             </a:fld>
             <a:endParaRPr lang="zh-CN" altLang="en-US"/>
           </a:p>
@@ -4662,7 +4578,7 @@
           <a:p>
             <a:fld id="{4EE0CBB0-6761-4E67-92AC-FBE2A045F14C}" type="datetimeFigureOut">
               <a:rPr lang="zh-CN" altLang="en-US" smtClean="0"/>
-              <a:t>2019/5/16</a:t>
+              <a:t>2019/5/29</a:t>
             </a:fld>
             <a:endParaRPr lang="zh-CN" altLang="en-US"/>
           </a:p>
@@ -4894,7 +4810,7 @@
           <a:p>
             <a:fld id="{4EE0CBB0-6761-4E67-92AC-FBE2A045F14C}" type="datetimeFigureOut">
               <a:rPr lang="zh-CN" altLang="en-US" smtClean="0"/>
-              <a:t>2019/5/16</a:t>
+              <a:t>2019/5/29</a:t>
             </a:fld>
             <a:endParaRPr lang="zh-CN" altLang="en-US"/>
           </a:p>
@@ -5268,7 +5184,7 @@
           <a:p>
             <a:fld id="{4EE0CBB0-6761-4E67-92AC-FBE2A045F14C}" type="datetimeFigureOut">
               <a:rPr lang="zh-CN" altLang="en-US" smtClean="0"/>
-              <a:t>2019/5/16</a:t>
+              <a:t>2019/5/29</a:t>
             </a:fld>
             <a:endParaRPr lang="zh-CN" altLang="en-US"/>
           </a:p>
@@ -5391,7 +5307,7 @@
           <a:p>
             <a:fld id="{4EE0CBB0-6761-4E67-92AC-FBE2A045F14C}" type="datetimeFigureOut">
               <a:rPr lang="zh-CN" altLang="en-US" smtClean="0"/>
-              <a:t>2019/5/16</a:t>
+              <a:t>2019/5/29</a:t>
             </a:fld>
             <a:endParaRPr lang="zh-CN" altLang="en-US"/>
           </a:p>
@@ -5486,7 +5402,7 @@
           <a:p>
             <a:fld id="{4EE0CBB0-6761-4E67-92AC-FBE2A045F14C}" type="datetimeFigureOut">
               <a:rPr lang="zh-CN" altLang="en-US" smtClean="0"/>
-              <a:t>2019/5/16</a:t>
+              <a:t>2019/5/29</a:t>
             </a:fld>
             <a:endParaRPr lang="zh-CN" altLang="en-US"/>
           </a:p>
@@ -5741,7 +5657,7 @@
           <a:p>
             <a:fld id="{4EE0CBB0-6761-4E67-92AC-FBE2A045F14C}" type="datetimeFigureOut">
               <a:rPr lang="zh-CN" altLang="en-US" smtClean="0"/>
-              <a:t>2019/5/16</a:t>
+              <a:t>2019/5/29</a:t>
             </a:fld>
             <a:endParaRPr lang="zh-CN" altLang="en-US"/>
           </a:p>
@@ -6004,7 +5920,7 @@
           <a:p>
             <a:fld id="{4EE0CBB0-6761-4E67-92AC-FBE2A045F14C}" type="datetimeFigureOut">
               <a:rPr lang="zh-CN" altLang="en-US" smtClean="0"/>
-              <a:t>2019/5/16</a:t>
+              <a:t>2019/5/29</a:t>
             </a:fld>
             <a:endParaRPr lang="zh-CN" altLang="en-US"/>
           </a:p>
@@ -6749,7 +6665,7 @@
           <a:p>
             <a:fld id="{4EE0CBB0-6761-4E67-92AC-FBE2A045F14C}" type="datetimeFigureOut">
               <a:rPr lang="zh-CN" altLang="en-US" smtClean="0"/>
-              <a:t>2019/5/16</a:t>
+              <a:t>2019/5/29</a:t>
             </a:fld>
             <a:endParaRPr lang="zh-CN" altLang="en-US"/>
           </a:p>
@@ -8342,56 +8258,10 @@
       </p:grpSpPr>
       <p:sp>
         <p:nvSpPr>
-          <p:cNvPr id="4" name="矩形 3">
+          <p:cNvPr id="4" name="文本框 3">
             <a:extLst>
               <a:ext uri="{FF2B5EF4-FFF2-40B4-BE49-F238E27FC236}">
-                <a16:creationId xmlns:a16="http://schemas.microsoft.com/office/drawing/2014/main" id="{5D355E11-A4AB-4334-A52D-999F79C184A2}"/>
-              </a:ext>
-            </a:extLst>
-          </p:cNvPr>
-          <p:cNvSpPr/>
-          <p:nvPr/>
-        </p:nvSpPr>
-        <p:spPr>
-          <a:xfrm>
-            <a:off x="2842591" y="1691542"/>
-            <a:ext cx="4899992" cy="4977615"/>
-          </a:xfrm>
-          <a:prstGeom prst="rect">
-            <a:avLst/>
-          </a:prstGeom>
-        </p:spPr>
-        <p:style>
-          <a:lnRef idx="2">
-            <a:schemeClr val="accent1">
-              <a:shade val="50000"/>
-            </a:schemeClr>
-          </a:lnRef>
-          <a:fillRef idx="1">
-            <a:schemeClr val="accent1"/>
-          </a:fillRef>
-          <a:effectRef idx="0">
-            <a:schemeClr val="accent1"/>
-          </a:effectRef>
-          <a:fontRef idx="minor">
-            <a:schemeClr val="lt1"/>
-          </a:fontRef>
-        </p:style>
-        <p:txBody>
-          <a:bodyPr rtlCol="0" anchor="ctr"/>
-          <a:lstStyle/>
-          <a:p>
-            <a:pPr algn="ctr"/>
-            <a:endParaRPr lang="zh-CN" altLang="en-US"/>
-          </a:p>
-        </p:txBody>
-      </p:sp>
-      <p:sp>
-        <p:nvSpPr>
-          <p:cNvPr id="9" name="文本框 8">
-            <a:extLst>
-              <a:ext uri="{FF2B5EF4-FFF2-40B4-BE49-F238E27FC236}">
-                <a16:creationId xmlns:a16="http://schemas.microsoft.com/office/drawing/2014/main" id="{E2E60071-043C-4FE6-9E73-CF9D9BC0A15A}"/>
+                <a16:creationId xmlns:a16="http://schemas.microsoft.com/office/drawing/2014/main" id="{70DC50A6-0906-44DE-B4D1-5369C00379BF}"/>
               </a:ext>
             </a:extLst>
           </p:cNvPr>
@@ -8400,7 +8270,7 @@
         </p:nvSpPr>
         <p:spPr>
           <a:xfrm>
-            <a:off x="1094942" y="675880"/>
+            <a:off x="1542203" y="2802854"/>
             <a:ext cx="8347231" cy="1015663"/>
           </a:xfrm>
           <a:prstGeom prst="rect">
@@ -8422,102 +8292,10 @@
           </a:p>
         </p:txBody>
       </p:sp>
-      <p:sp>
-        <p:nvSpPr>
-          <p:cNvPr id="2" name="AutoShape 2" descr="http://img2.imgtn.bdimg.com/it/u=2138818926,2280568344&amp;fm=26&amp;gp=0.jpg">
-            <a:extLst>
-              <a:ext uri="{FF2B5EF4-FFF2-40B4-BE49-F238E27FC236}">
-                <a16:creationId xmlns:a16="http://schemas.microsoft.com/office/drawing/2014/main" id="{FCAC91A1-E127-4687-8C0C-C32DAC2AF231}"/>
-              </a:ext>
-            </a:extLst>
-          </p:cNvPr>
-          <p:cNvSpPr>
-            <a:spLocks noChangeAspect="1" noChangeArrowheads="1"/>
-          </p:cNvSpPr>
-          <p:nvPr/>
-        </p:nvSpPr>
-        <p:spPr bwMode="auto">
-          <a:xfrm>
-            <a:off x="5943599" y="3276599"/>
-            <a:ext cx="3101009" cy="3101009"/>
-          </a:xfrm>
-          <a:prstGeom prst="rect">
-            <a:avLst/>
-          </a:prstGeom>
-          <a:noFill/>
-          <a:extLst>
-            <a:ext uri="{909E8E84-426E-40DD-AFC4-6F175D3DCCD1}">
-              <a14:hiddenFill xmlns:a14="http://schemas.microsoft.com/office/drawing/2010/main">
-                <a:solidFill>
-                  <a:srgbClr val="FFFFFF"/>
-                </a:solidFill>
-              </a14:hiddenFill>
-            </a:ext>
-          </a:extLst>
-        </p:spPr>
-        <p:txBody>
-          <a:bodyPr vert="horz" wrap="square" lIns="91440" tIns="45720" rIns="91440" bIns="45720" numCol="1" anchor="t" anchorCtr="0" compatLnSpc="1">
-            <a:prstTxWarp prst="textNoShape">
-              <a:avLst/>
-            </a:prstTxWarp>
-          </a:bodyPr>
-          <a:lstStyle/>
-          <a:p>
-            <a:endParaRPr lang="zh-CN" altLang="en-US"/>
-          </a:p>
-        </p:txBody>
-      </p:sp>
-      <p:pic>
-        <p:nvPicPr>
-          <p:cNvPr id="1026" name="Picture 2">
-            <a:extLst>
-              <a:ext uri="{FF2B5EF4-FFF2-40B4-BE49-F238E27FC236}">
-                <a16:creationId xmlns:a16="http://schemas.microsoft.com/office/drawing/2014/main" id="{E3BFD3F5-17DC-499F-9B83-49E31504AA6F}"/>
-              </a:ext>
-            </a:extLst>
-          </p:cNvPr>
-          <p:cNvPicPr>
-            <a:picLocks noChangeAspect="1" noChangeArrowheads="1"/>
-          </p:cNvPicPr>
-          <p:nvPr/>
-        </p:nvPicPr>
-        <p:blipFill>
-          <a:blip r:embed="rId3">
-            <a:extLst>
-              <a:ext uri="{28A0092B-C50C-407E-A947-70E740481C1C}">
-                <a14:useLocalDpi xmlns:a14="http://schemas.microsoft.com/office/drawing/2010/main" val="0"/>
-              </a:ext>
-            </a:extLst>
-          </a:blip>
-          <a:srcRect/>
-          <a:stretch>
-            <a:fillRect/>
-          </a:stretch>
-        </p:blipFill>
-        <p:spPr bwMode="auto">
-          <a:xfrm>
-            <a:off x="2962016" y="1864698"/>
-            <a:ext cx="4631480" cy="4631480"/>
-          </a:xfrm>
-          <a:prstGeom prst="rect">
-            <a:avLst/>
-          </a:prstGeom>
-          <a:noFill/>
-          <a:extLst>
-            <a:ext uri="{909E8E84-426E-40DD-AFC4-6F175D3DCCD1}">
-              <a14:hiddenFill xmlns:a14="http://schemas.microsoft.com/office/drawing/2010/main">
-                <a:solidFill>
-                  <a:srgbClr val="FFFFFF"/>
-                </a:solidFill>
-              </a14:hiddenFill>
-            </a:ext>
-          </a:extLst>
-        </p:spPr>
-      </p:pic>
     </p:spTree>
     <p:extLst>
       <p:ext uri="{BB962C8B-B14F-4D97-AF65-F5344CB8AC3E}">
-        <p14:creationId xmlns:p14="http://schemas.microsoft.com/office/powerpoint/2010/main" val="1477099311"/>
+        <p14:creationId xmlns:p14="http://schemas.microsoft.com/office/powerpoint/2010/main" val="432748356"/>
       </p:ext>
     </p:extLst>
   </p:cSld>
@@ -8558,7 +8336,7 @@
         </p:nvSpPr>
         <p:spPr>
           <a:xfrm>
-            <a:off x="2861958" y="2828835"/>
+            <a:off x="3448366" y="542835"/>
             <a:ext cx="4449452" cy="1200329"/>
           </a:xfrm>
           <a:prstGeom prst="rect">
@@ -8580,6 +8358,99 @@
           </a:p>
         </p:txBody>
       </p:sp>
+      <p:sp>
+        <p:nvSpPr>
+          <p:cNvPr id="3" name="矩形 2">
+            <a:extLst>
+              <a:ext uri="{FF2B5EF4-FFF2-40B4-BE49-F238E27FC236}">
+                <a16:creationId xmlns:a16="http://schemas.microsoft.com/office/drawing/2014/main" id="{520B7591-782E-42DC-A75B-3F735E5A49F5}"/>
+              </a:ext>
+            </a:extLst>
+          </p:cNvPr>
+          <p:cNvSpPr/>
+          <p:nvPr/>
+        </p:nvSpPr>
+        <p:spPr>
+          <a:xfrm>
+            <a:off x="3677478" y="1888435"/>
+            <a:ext cx="4651513" cy="4701209"/>
+          </a:xfrm>
+          <a:prstGeom prst="rect">
+            <a:avLst/>
+          </a:prstGeom>
+        </p:spPr>
+        <p:style>
+          <a:lnRef idx="2">
+            <a:schemeClr val="accent1">
+              <a:shade val="50000"/>
+            </a:schemeClr>
+          </a:lnRef>
+          <a:fillRef idx="1">
+            <a:schemeClr val="accent1"/>
+          </a:fillRef>
+          <a:effectRef idx="0">
+            <a:schemeClr val="accent1"/>
+          </a:effectRef>
+          <a:fontRef idx="minor">
+            <a:schemeClr val="lt1"/>
+          </a:fontRef>
+        </p:style>
+        <p:txBody>
+          <a:bodyPr rtlCol="0" anchor="ctr"/>
+          <a:lstStyle/>
+          <a:p>
+            <a:pPr algn="ctr"/>
+            <a:endParaRPr lang="zh-CN" altLang="en-US"/>
+          </a:p>
+        </p:txBody>
+      </p:sp>
+      <p:pic>
+        <p:nvPicPr>
+          <p:cNvPr id="6" name="Picture 2">
+            <a:extLst>
+              <a:ext uri="{FF2B5EF4-FFF2-40B4-BE49-F238E27FC236}">
+                <a16:creationId xmlns:a16="http://schemas.microsoft.com/office/drawing/2014/main" id="{06FE9BA9-C750-4F86-A4A0-D769E4C13A63}"/>
+              </a:ext>
+            </a:extLst>
+          </p:cNvPr>
+          <p:cNvPicPr>
+            <a:picLocks noChangeAspect="1" noChangeArrowheads="1"/>
+          </p:cNvPicPr>
+          <p:nvPr/>
+        </p:nvPicPr>
+        <p:blipFill>
+          <a:blip r:embed="rId2">
+            <a:extLst>
+              <a:ext uri="{28A0092B-C50C-407E-A947-70E740481C1C}">
+                <a14:useLocalDpi xmlns:a14="http://schemas.microsoft.com/office/drawing/2010/main" val="0"/>
+              </a:ext>
+            </a:extLst>
+          </a:blip>
+          <a:srcRect/>
+          <a:stretch>
+            <a:fillRect/>
+          </a:stretch>
+        </p:blipFill>
+        <p:spPr bwMode="auto">
+          <a:xfrm>
+            <a:off x="3783287" y="2020047"/>
+            <a:ext cx="4396617" cy="4396617"/>
+          </a:xfrm>
+          <a:prstGeom prst="rect">
+            <a:avLst/>
+          </a:prstGeom>
+          <a:noFill/>
+          <a:extLst>
+            <a:ext uri="{909E8E84-426E-40DD-AFC4-6F175D3DCCD1}">
+              <a14:hiddenFill xmlns:a14="http://schemas.microsoft.com/office/drawing/2010/main">
+                <a:solidFill>
+                  <a:srgbClr val="FFFFFF"/>
+                </a:solidFill>
+              </a14:hiddenFill>
+            </a:ext>
+          </a:extLst>
+        </p:spPr>
+      </p:pic>
     </p:spTree>
     <p:extLst>
       <p:ext uri="{BB962C8B-B14F-4D97-AF65-F5344CB8AC3E}">
